--- a/DSC530 - Final Proj M_Ersevim.pptx
+++ b/DSC530 - Final Proj M_Ersevim.pptx
@@ -18,6 +18,7 @@
     <p:sldId id="266" r:id="rId12"/>
     <p:sldId id="265" r:id="rId13"/>
     <p:sldId id="269" r:id="rId14"/>
+    <p:sldId id="270" r:id="rId15"/>
   </p:sldIdLst>
   <p:sldSz cx="12192000" cy="6858000"/>
   <p:notesSz cx="6858000" cy="9144000"/>
@@ -130,710 +131,12 @@
     <p1510:client id="{4850E8E5-23A2-E270-CE9B-C30316F4E26F}" v="21" dt="2021-11-01T19:53:10.719"/>
     <p1510:client id="{74DA2A8D-7819-E2C6-DC40-DB31F8E17CD1}" v="1090" dt="2021-11-18T23:59:36.732"/>
     <p1510:client id="{91571159-6108-C968-7B8F-ECCA2D6B74A8}" v="442" dt="2021-11-14T19:38:49.009"/>
+    <p1510:client id="{B97F1E89-0825-A239-FC46-4A5E3EA4BFD1}" v="37" dt="2021-11-20T14:49:58.432"/>
     <p1510:client id="{DFD00BEA-13AF-4F81-AB57-B6AF8ED89DC5}" v="29" dt="2021-10-31T17:13:59.860"/>
     <p1510:client id="{E26631AE-9739-638D-5822-C35CC3378E2F}" v="254" dt="2021-11-17T01:31:46.180"/>
     <p1510:client id="{F10E4903-4B94-6D42-9017-901300D7F024}" v="726" dt="2021-11-13T18:52:47.402"/>
   </p1510:revLst>
 </p1510:revInfo>
-</file>
-
-<file path=ppt/changesInfos/changesInfo1.xml><?xml version="1.0" encoding="utf-8"?>
-<pc:chgInfo xmlns:a="http://schemas.openxmlformats.org/drawingml/2006/main" xmlns:r="http://schemas.openxmlformats.org/officeDocument/2006/relationships" xmlns:ac="http://schemas.microsoft.com/office/drawing/2013/main/command" xmlns:pc="http://schemas.microsoft.com/office/powerpoint/2013/main/command">
-  <pc:docChgLst>
-    <pc:chgData name="Michael Ersevim" userId="S::miersevim@my365.bellevue.edu::0cbe52c5-6b1f-468c-9200-bcba12e05a45" providerId="AD" clId="Web-{74DA2A8D-7819-E2C6-DC40-DB31F8E17CD1}"/>
-    <pc:docChg chg="addSld modSld">
-      <pc:chgData name="Michael Ersevim" userId="S::miersevim@my365.bellevue.edu::0cbe52c5-6b1f-468c-9200-bcba12e05a45" providerId="AD" clId="Web-{74DA2A8D-7819-E2C6-DC40-DB31F8E17CD1}" dt="2021-11-18T23:59:36.732" v="1078" actId="20577"/>
-      <pc:docMkLst>
-        <pc:docMk/>
-      </pc:docMkLst>
-      <pc:sldChg chg="addSp delSp modSp">
-        <pc:chgData name="Michael Ersevim" userId="S::miersevim@my365.bellevue.edu::0cbe52c5-6b1f-468c-9200-bcba12e05a45" providerId="AD" clId="Web-{74DA2A8D-7819-E2C6-DC40-DB31F8E17CD1}" dt="2021-11-18T02:30:21.809" v="293" actId="20577"/>
-        <pc:sldMkLst>
-          <pc:docMk/>
-          <pc:sldMk cId="1874445502" sldId="259"/>
-        </pc:sldMkLst>
-        <pc:spChg chg="mod">
-          <ac:chgData name="Michael Ersevim" userId="S::miersevim@my365.bellevue.edu::0cbe52c5-6b1f-468c-9200-bcba12e05a45" providerId="AD" clId="Web-{74DA2A8D-7819-E2C6-DC40-DB31F8E17CD1}" dt="2021-11-18T02:30:21.809" v="293" actId="20577"/>
-          <ac:spMkLst>
-            <pc:docMk/>
-            <pc:sldMk cId="1874445502" sldId="259"/>
-            <ac:spMk id="3" creationId="{5D43593E-11F8-4F2D-9D38-D06F680DB09B}"/>
-          </ac:spMkLst>
-        </pc:spChg>
-        <pc:picChg chg="add del mod">
-          <ac:chgData name="Michael Ersevim" userId="S::miersevim@my365.bellevue.edu::0cbe52c5-6b1f-468c-9200-bcba12e05a45" providerId="AD" clId="Web-{74DA2A8D-7819-E2C6-DC40-DB31F8E17CD1}" dt="2021-11-18T02:22:37.188" v="82"/>
-          <ac:picMkLst>
-            <pc:docMk/>
-            <pc:sldMk cId="1874445502" sldId="259"/>
-            <ac:picMk id="2" creationId="{62C8C3DF-1702-4AD2-85C2-7875E3A2F598}"/>
-          </ac:picMkLst>
-        </pc:picChg>
-        <pc:picChg chg="add mod">
-          <ac:chgData name="Michael Ersevim" userId="S::miersevim@my365.bellevue.edu::0cbe52c5-6b1f-468c-9200-bcba12e05a45" providerId="AD" clId="Web-{74DA2A8D-7819-E2C6-DC40-DB31F8E17CD1}" dt="2021-11-18T02:25:20.755" v="133" actId="14100"/>
-          <ac:picMkLst>
-            <pc:docMk/>
-            <pc:sldMk cId="1874445502" sldId="259"/>
-            <ac:picMk id="4" creationId="{68E86CE2-202B-4A0E-ACAB-D0C8AC69E559}"/>
-          </ac:picMkLst>
-        </pc:picChg>
-        <pc:picChg chg="add mod">
-          <ac:chgData name="Michael Ersevim" userId="S::miersevim@my365.bellevue.edu::0cbe52c5-6b1f-468c-9200-bcba12e05a45" providerId="AD" clId="Web-{74DA2A8D-7819-E2C6-DC40-DB31F8E17CD1}" dt="2021-11-18T02:25:16.052" v="132" actId="14100"/>
-          <ac:picMkLst>
-            <pc:docMk/>
-            <pc:sldMk cId="1874445502" sldId="259"/>
-            <ac:picMk id="5" creationId="{A093E2BB-16AF-4165-B4B8-B2C44E81EA61}"/>
-          </ac:picMkLst>
-        </pc:picChg>
-        <pc:picChg chg="add del mod">
-          <ac:chgData name="Michael Ersevim" userId="S::miersevim@my365.bellevue.edu::0cbe52c5-6b1f-468c-9200-bcba12e05a45" providerId="AD" clId="Web-{74DA2A8D-7819-E2C6-DC40-DB31F8E17CD1}" dt="2021-11-18T02:22:36.438" v="81"/>
-          <ac:picMkLst>
-            <pc:docMk/>
-            <pc:sldMk cId="1874445502" sldId="259"/>
-            <ac:picMk id="6" creationId="{DF2FB41D-2436-4C88-8644-04EFCF70198E}"/>
-          </ac:picMkLst>
-        </pc:picChg>
-      </pc:sldChg>
-      <pc:sldChg chg="addSp delSp modSp">
-        <pc:chgData name="Michael Ersevim" userId="S::miersevim@my365.bellevue.edu::0cbe52c5-6b1f-468c-9200-bcba12e05a45" providerId="AD" clId="Web-{74DA2A8D-7819-E2C6-DC40-DB31F8E17CD1}" dt="2021-11-18T18:21:15.177" v="603" actId="1076"/>
-        <pc:sldMkLst>
-          <pc:docMk/>
-          <pc:sldMk cId="2414957186" sldId="260"/>
-        </pc:sldMkLst>
-        <pc:spChg chg="mod">
-          <ac:chgData name="Michael Ersevim" userId="S::miersevim@my365.bellevue.edu::0cbe52c5-6b1f-468c-9200-bcba12e05a45" providerId="AD" clId="Web-{74DA2A8D-7819-E2C6-DC40-DB31F8E17CD1}" dt="2021-11-18T18:21:05.192" v="602" actId="20577"/>
-          <ac:spMkLst>
-            <pc:docMk/>
-            <pc:sldMk cId="2414957186" sldId="260"/>
-            <ac:spMk id="3" creationId="{5D43593E-11F8-4F2D-9D38-D06F680DB09B}"/>
-          </ac:spMkLst>
-        </pc:spChg>
-        <pc:picChg chg="add del mod">
-          <ac:chgData name="Michael Ersevim" userId="S::miersevim@my365.bellevue.edu::0cbe52c5-6b1f-468c-9200-bcba12e05a45" providerId="AD" clId="Web-{74DA2A8D-7819-E2C6-DC40-DB31F8E17CD1}" dt="2021-11-18T18:20:44.051" v="591"/>
-          <ac:picMkLst>
-            <pc:docMk/>
-            <pc:sldMk cId="2414957186" sldId="260"/>
-            <ac:picMk id="2" creationId="{DE763790-4431-4983-A68E-B496C37BB08D}"/>
-          </ac:picMkLst>
-        </pc:picChg>
-        <pc:picChg chg="add mod">
-          <ac:chgData name="Michael Ersevim" userId="S::miersevim@my365.bellevue.edu::0cbe52c5-6b1f-468c-9200-bcba12e05a45" providerId="AD" clId="Web-{74DA2A8D-7819-E2C6-DC40-DB31F8E17CD1}" dt="2021-11-18T18:21:15.177" v="603" actId="1076"/>
-          <ac:picMkLst>
-            <pc:docMk/>
-            <pc:sldMk cId="2414957186" sldId="260"/>
-            <ac:picMk id="4" creationId="{7C321ED0-CDD7-48D6-BED0-440499F0761E}"/>
-          </ac:picMkLst>
-        </pc:picChg>
-      </pc:sldChg>
-      <pc:sldChg chg="addSp delSp modSp">
-        <pc:chgData name="Michael Ersevim" userId="S::miersevim@my365.bellevue.edu::0cbe52c5-6b1f-468c-9200-bcba12e05a45" providerId="AD" clId="Web-{74DA2A8D-7819-E2C6-DC40-DB31F8E17CD1}" dt="2021-11-18T03:08:19.308" v="495" actId="20577"/>
-        <pc:sldMkLst>
-          <pc:docMk/>
-          <pc:sldMk cId="3655530332" sldId="261"/>
-        </pc:sldMkLst>
-        <pc:spChg chg="mod">
-          <ac:chgData name="Michael Ersevim" userId="S::miersevim@my365.bellevue.edu::0cbe52c5-6b1f-468c-9200-bcba12e05a45" providerId="AD" clId="Web-{74DA2A8D-7819-E2C6-DC40-DB31F8E17CD1}" dt="2021-11-18T03:08:19.308" v="495" actId="20577"/>
-          <ac:spMkLst>
-            <pc:docMk/>
-            <pc:sldMk cId="3655530332" sldId="261"/>
-            <ac:spMk id="3" creationId="{5D43593E-11F8-4F2D-9D38-D06F680DB09B}"/>
-          </ac:spMkLst>
-        </pc:spChg>
-        <pc:picChg chg="add del mod">
-          <ac:chgData name="Michael Ersevim" userId="S::miersevim@my365.bellevue.edu::0cbe52c5-6b1f-468c-9200-bcba12e05a45" providerId="AD" clId="Web-{74DA2A8D-7819-E2C6-DC40-DB31F8E17CD1}" dt="2021-11-18T03:06:14.946" v="453"/>
-          <ac:picMkLst>
-            <pc:docMk/>
-            <pc:sldMk cId="3655530332" sldId="261"/>
-            <ac:picMk id="2" creationId="{62C088D1-6C95-4635-9E4A-C5DB0E1F0045}"/>
-          </ac:picMkLst>
-        </pc:picChg>
-        <pc:picChg chg="del mod">
-          <ac:chgData name="Michael Ersevim" userId="S::miersevim@my365.bellevue.edu::0cbe52c5-6b1f-468c-9200-bcba12e05a45" providerId="AD" clId="Web-{74DA2A8D-7819-E2C6-DC40-DB31F8E17CD1}" dt="2021-11-18T02:33:27.502" v="325"/>
-          <ac:picMkLst>
-            <pc:docMk/>
-            <pc:sldMk cId="3655530332" sldId="261"/>
-            <ac:picMk id="4" creationId="{6D02521F-8BD4-478B-AB28-52DEF4480C45}"/>
-          </ac:picMkLst>
-        </pc:picChg>
-        <pc:picChg chg="add mod">
-          <ac:chgData name="Michael Ersevim" userId="S::miersevim@my365.bellevue.edu::0cbe52c5-6b1f-468c-9200-bcba12e05a45" providerId="AD" clId="Web-{74DA2A8D-7819-E2C6-DC40-DB31F8E17CD1}" dt="2021-11-18T03:06:41.025" v="456" actId="14100"/>
-          <ac:picMkLst>
-            <pc:docMk/>
-            <pc:sldMk cId="3655530332" sldId="261"/>
-            <ac:picMk id="4" creationId="{8AB65270-C862-43A1-BA14-AC4DAED90D10}"/>
-          </ac:picMkLst>
-        </pc:picChg>
-        <pc:picChg chg="mod">
-          <ac:chgData name="Michael Ersevim" userId="S::miersevim@my365.bellevue.edu::0cbe52c5-6b1f-468c-9200-bcba12e05a45" providerId="AD" clId="Web-{74DA2A8D-7819-E2C6-DC40-DB31F8E17CD1}" dt="2021-11-18T02:34:47.519" v="345" actId="14100"/>
-          <ac:picMkLst>
-            <pc:docMk/>
-            <pc:sldMk cId="3655530332" sldId="261"/>
-            <ac:picMk id="5" creationId="{5885E478-9A22-4889-AB95-D42A80713E11}"/>
-          </ac:picMkLst>
-        </pc:picChg>
-      </pc:sldChg>
-      <pc:sldChg chg="modSp">
-        <pc:chgData name="Michael Ersevim" userId="S::miersevim@my365.bellevue.edu::0cbe52c5-6b1f-468c-9200-bcba12e05a45" providerId="AD" clId="Web-{74DA2A8D-7819-E2C6-DC40-DB31F8E17CD1}" dt="2021-11-18T02:27:49.087" v="189" actId="20577"/>
-        <pc:sldMkLst>
-          <pc:docMk/>
-          <pc:sldMk cId="1151016193" sldId="262"/>
-        </pc:sldMkLst>
-        <pc:spChg chg="mod">
-          <ac:chgData name="Michael Ersevim" userId="S::miersevim@my365.bellevue.edu::0cbe52c5-6b1f-468c-9200-bcba12e05a45" providerId="AD" clId="Web-{74DA2A8D-7819-E2C6-DC40-DB31F8E17CD1}" dt="2021-11-18T02:27:49.087" v="189" actId="20577"/>
-          <ac:spMkLst>
-            <pc:docMk/>
-            <pc:sldMk cId="1151016193" sldId="262"/>
-            <ac:spMk id="3" creationId="{5D43593E-11F8-4F2D-9D38-D06F680DB09B}"/>
-          </ac:spMkLst>
-        </pc:spChg>
-      </pc:sldChg>
-      <pc:sldChg chg="modSp">
-        <pc:chgData name="Michael Ersevim" userId="S::miersevim@my365.bellevue.edu::0cbe52c5-6b1f-468c-9200-bcba12e05a45" providerId="AD" clId="Web-{74DA2A8D-7819-E2C6-DC40-DB31F8E17CD1}" dt="2021-11-18T02:31:44.937" v="321" actId="20577"/>
-        <pc:sldMkLst>
-          <pc:docMk/>
-          <pc:sldMk cId="2402640329" sldId="263"/>
-        </pc:sldMkLst>
-        <pc:spChg chg="mod">
-          <ac:chgData name="Michael Ersevim" userId="S::miersevim@my365.bellevue.edu::0cbe52c5-6b1f-468c-9200-bcba12e05a45" providerId="AD" clId="Web-{74DA2A8D-7819-E2C6-DC40-DB31F8E17CD1}" dt="2021-11-18T02:31:44.937" v="321" actId="20577"/>
-          <ac:spMkLst>
-            <pc:docMk/>
-            <pc:sldMk cId="2402640329" sldId="263"/>
-            <ac:spMk id="3" creationId="{5D43593E-11F8-4F2D-9D38-D06F680DB09B}"/>
-          </ac:spMkLst>
-        </pc:spChg>
-      </pc:sldChg>
-      <pc:sldChg chg="addSp modSp">
-        <pc:chgData name="Michael Ersevim" userId="S::miersevim@my365.bellevue.edu::0cbe52c5-6b1f-468c-9200-bcba12e05a45" providerId="AD" clId="Web-{74DA2A8D-7819-E2C6-DC40-DB31F8E17CD1}" dt="2021-11-18T21:49:43.912" v="771" actId="1076"/>
-        <pc:sldMkLst>
-          <pc:docMk/>
-          <pc:sldMk cId="2600220071" sldId="264"/>
-        </pc:sldMkLst>
-        <pc:spChg chg="mod">
-          <ac:chgData name="Michael Ersevim" userId="S::miersevim@my365.bellevue.edu::0cbe52c5-6b1f-468c-9200-bcba12e05a45" providerId="AD" clId="Web-{74DA2A8D-7819-E2C6-DC40-DB31F8E17CD1}" dt="2021-11-18T21:49:38.896" v="770" actId="20577"/>
-          <ac:spMkLst>
-            <pc:docMk/>
-            <pc:sldMk cId="2600220071" sldId="264"/>
-            <ac:spMk id="3" creationId="{5D43593E-11F8-4F2D-9D38-D06F680DB09B}"/>
-          </ac:spMkLst>
-        </pc:spChg>
-        <pc:picChg chg="add mod">
-          <ac:chgData name="Michael Ersevim" userId="S::miersevim@my365.bellevue.edu::0cbe52c5-6b1f-468c-9200-bcba12e05a45" providerId="AD" clId="Web-{74DA2A8D-7819-E2C6-DC40-DB31F8E17CD1}" dt="2021-11-18T21:49:43.912" v="771" actId="1076"/>
-          <ac:picMkLst>
-            <pc:docMk/>
-            <pc:sldMk cId="2600220071" sldId="264"/>
-            <ac:picMk id="2" creationId="{10764F04-851D-4EB3-A40F-E852866A4F59}"/>
-          </ac:picMkLst>
-        </pc:picChg>
-      </pc:sldChg>
-      <pc:sldChg chg="addSp modSp">
-        <pc:chgData name="Michael Ersevim" userId="S::miersevim@my365.bellevue.edu::0cbe52c5-6b1f-468c-9200-bcba12e05a45" providerId="AD" clId="Web-{74DA2A8D-7819-E2C6-DC40-DB31F8E17CD1}" dt="2021-11-18T23:59:02.309" v="1076" actId="20577"/>
-        <pc:sldMkLst>
-          <pc:docMk/>
-          <pc:sldMk cId="3628542911" sldId="265"/>
-        </pc:sldMkLst>
-        <pc:spChg chg="mod">
-          <ac:chgData name="Michael Ersevim" userId="S::miersevim@my365.bellevue.edu::0cbe52c5-6b1f-468c-9200-bcba12e05a45" providerId="AD" clId="Web-{74DA2A8D-7819-E2C6-DC40-DB31F8E17CD1}" dt="2021-11-18T23:59:02.309" v="1076" actId="20577"/>
-          <ac:spMkLst>
-            <pc:docMk/>
-            <pc:sldMk cId="3628542911" sldId="265"/>
-            <ac:spMk id="3" creationId="{5D43593E-11F8-4F2D-9D38-D06F680DB09B}"/>
-          </ac:spMkLst>
-        </pc:spChg>
-        <pc:picChg chg="add mod">
-          <ac:chgData name="Michael Ersevim" userId="S::miersevim@my365.bellevue.edu::0cbe52c5-6b1f-468c-9200-bcba12e05a45" providerId="AD" clId="Web-{74DA2A8D-7819-E2C6-DC40-DB31F8E17CD1}" dt="2021-11-18T23:57:16.164" v="1026" actId="1076"/>
-          <ac:picMkLst>
-            <pc:docMk/>
-            <pc:sldMk cId="3628542911" sldId="265"/>
-            <ac:picMk id="2" creationId="{E5075AD0-1C96-46BD-90DF-4B06EDF5865B}"/>
-          </ac:picMkLst>
-        </pc:picChg>
-      </pc:sldChg>
-      <pc:sldChg chg="addSp modSp">
-        <pc:chgData name="Michael Ersevim" userId="S::miersevim@my365.bellevue.edu::0cbe52c5-6b1f-468c-9200-bcba12e05a45" providerId="AD" clId="Web-{74DA2A8D-7819-E2C6-DC40-DB31F8E17CD1}" dt="2021-11-18T23:56:52.539" v="1022" actId="20577"/>
-        <pc:sldMkLst>
-          <pc:docMk/>
-          <pc:sldMk cId="51022257" sldId="266"/>
-        </pc:sldMkLst>
-        <pc:spChg chg="mod">
-          <ac:chgData name="Michael Ersevim" userId="S::miersevim@my365.bellevue.edu::0cbe52c5-6b1f-468c-9200-bcba12e05a45" providerId="AD" clId="Web-{74DA2A8D-7819-E2C6-DC40-DB31F8E17CD1}" dt="2021-11-18T23:56:52.539" v="1022" actId="20577"/>
-          <ac:spMkLst>
-            <pc:docMk/>
-            <pc:sldMk cId="51022257" sldId="266"/>
-            <ac:spMk id="3" creationId="{5D43593E-11F8-4F2D-9D38-D06F680DB09B}"/>
-          </ac:spMkLst>
-        </pc:spChg>
-        <pc:picChg chg="add mod">
-          <ac:chgData name="Michael Ersevim" userId="S::miersevim@my365.bellevue.edu::0cbe52c5-6b1f-468c-9200-bcba12e05a45" providerId="AD" clId="Web-{74DA2A8D-7819-E2C6-DC40-DB31F8E17CD1}" dt="2021-11-18T23:53:43.315" v="935" actId="14100"/>
-          <ac:picMkLst>
-            <pc:docMk/>
-            <pc:sldMk cId="51022257" sldId="266"/>
-            <ac:picMk id="2" creationId="{75C08E12-21A6-434F-8E64-5E708F8E7F0F}"/>
-          </ac:picMkLst>
-        </pc:picChg>
-      </pc:sldChg>
-      <pc:sldChg chg="modSp">
-        <pc:chgData name="Michael Ersevim" userId="S::miersevim@my365.bellevue.edu::0cbe52c5-6b1f-468c-9200-bcba12e05a45" providerId="AD" clId="Web-{74DA2A8D-7819-E2C6-DC40-DB31F8E17CD1}" dt="2021-11-18T23:59:36.732" v="1078" actId="20577"/>
-        <pc:sldMkLst>
-          <pc:docMk/>
-          <pc:sldMk cId="1449049376" sldId="267"/>
-        </pc:sldMkLst>
-        <pc:spChg chg="mod">
-          <ac:chgData name="Michael Ersevim" userId="S::miersevim@my365.bellevue.edu::0cbe52c5-6b1f-468c-9200-bcba12e05a45" providerId="AD" clId="Web-{74DA2A8D-7819-E2C6-DC40-DB31F8E17CD1}" dt="2021-11-18T23:59:36.732" v="1078" actId="20577"/>
-          <ac:spMkLst>
-            <pc:docMk/>
-            <pc:sldMk cId="1449049376" sldId="267"/>
-            <ac:spMk id="3" creationId="{5D43593E-11F8-4F2D-9D38-D06F680DB09B}"/>
-          </ac:spMkLst>
-        </pc:spChg>
-      </pc:sldChg>
-      <pc:sldChg chg="delSp modSp add replId">
-        <pc:chgData name="Michael Ersevim" userId="S::miersevim@my365.bellevue.edu::0cbe52c5-6b1f-468c-9200-bcba12e05a45" providerId="AD" clId="Web-{74DA2A8D-7819-E2C6-DC40-DB31F8E17CD1}" dt="2021-11-18T02:29:57.590" v="242" actId="20577"/>
-        <pc:sldMkLst>
-          <pc:docMk/>
-          <pc:sldMk cId="869725584" sldId="268"/>
-        </pc:sldMkLst>
-        <pc:spChg chg="mod">
-          <ac:chgData name="Michael Ersevim" userId="S::miersevim@my365.bellevue.edu::0cbe52c5-6b1f-468c-9200-bcba12e05a45" providerId="AD" clId="Web-{74DA2A8D-7819-E2C6-DC40-DB31F8E17CD1}" dt="2021-11-18T02:29:57.590" v="242" actId="20577"/>
-          <ac:spMkLst>
-            <pc:docMk/>
-            <pc:sldMk cId="869725584" sldId="268"/>
-            <ac:spMk id="3" creationId="{5D43593E-11F8-4F2D-9D38-D06F680DB09B}"/>
-          </ac:spMkLst>
-        </pc:spChg>
-        <pc:picChg chg="mod">
-          <ac:chgData name="Michael Ersevim" userId="S::miersevim@my365.bellevue.edu::0cbe52c5-6b1f-468c-9200-bcba12e05a45" providerId="AD" clId="Web-{74DA2A8D-7819-E2C6-DC40-DB31F8E17CD1}" dt="2021-11-18T02:26:14.741" v="148" actId="14100"/>
-          <ac:picMkLst>
-            <pc:docMk/>
-            <pc:sldMk cId="869725584" sldId="268"/>
-            <ac:picMk id="2" creationId="{62C8C3DF-1702-4AD2-85C2-7875E3A2F598}"/>
-          </ac:picMkLst>
-        </pc:picChg>
-        <pc:picChg chg="del">
-          <ac:chgData name="Michael Ersevim" userId="S::miersevim@my365.bellevue.edu::0cbe52c5-6b1f-468c-9200-bcba12e05a45" providerId="AD" clId="Web-{74DA2A8D-7819-E2C6-DC40-DB31F8E17CD1}" dt="2021-11-18T02:22:42.079" v="84"/>
-          <ac:picMkLst>
-            <pc:docMk/>
-            <pc:sldMk cId="869725584" sldId="268"/>
-            <ac:picMk id="4" creationId="{68E86CE2-202B-4A0E-ACAB-D0C8AC69E559}"/>
-          </ac:picMkLst>
-        </pc:picChg>
-        <pc:picChg chg="del">
-          <ac:chgData name="Michael Ersevim" userId="S::miersevim@my365.bellevue.edu::0cbe52c5-6b1f-468c-9200-bcba12e05a45" providerId="AD" clId="Web-{74DA2A8D-7819-E2C6-DC40-DB31F8E17CD1}" dt="2021-11-18T02:22:41.470" v="83"/>
-          <ac:picMkLst>
-            <pc:docMk/>
-            <pc:sldMk cId="869725584" sldId="268"/>
-            <ac:picMk id="5" creationId="{A093E2BB-16AF-4165-B4B8-B2C44E81EA61}"/>
-          </ac:picMkLst>
-        </pc:picChg>
-        <pc:picChg chg="mod">
-          <ac:chgData name="Michael Ersevim" userId="S::miersevim@my365.bellevue.edu::0cbe52c5-6b1f-468c-9200-bcba12e05a45" providerId="AD" clId="Web-{74DA2A8D-7819-E2C6-DC40-DB31F8E17CD1}" dt="2021-11-18T02:26:21.569" v="149" actId="1076"/>
-          <ac:picMkLst>
-            <pc:docMk/>
-            <pc:sldMk cId="869725584" sldId="268"/>
-            <ac:picMk id="6" creationId="{DF2FB41D-2436-4C88-8644-04EFCF70198E}"/>
-          </ac:picMkLst>
-        </pc:picChg>
-      </pc:sldChg>
-      <pc:sldChg chg="addSp delSp modSp add replId">
-        <pc:chgData name="Michael Ersevim" userId="S::miersevim@my365.bellevue.edu::0cbe52c5-6b1f-468c-9200-bcba12e05a45" providerId="AD" clId="Web-{74DA2A8D-7819-E2C6-DC40-DB31F8E17CD1}" dt="2021-11-18T22:42:39.909" v="877" actId="20577"/>
-        <pc:sldMkLst>
-          <pc:docMk/>
-          <pc:sldMk cId="3366521610" sldId="269"/>
-        </pc:sldMkLst>
-        <pc:spChg chg="mod">
-          <ac:chgData name="Michael Ersevim" userId="S::miersevim@my365.bellevue.edu::0cbe52c5-6b1f-468c-9200-bcba12e05a45" providerId="AD" clId="Web-{74DA2A8D-7819-E2C6-DC40-DB31F8E17CD1}" dt="2021-11-18T22:42:39.909" v="877" actId="20577"/>
-          <ac:spMkLst>
-            <pc:docMk/>
-            <pc:sldMk cId="3366521610" sldId="269"/>
-            <ac:spMk id="3" creationId="{5D43593E-11F8-4F2D-9D38-D06F680DB09B}"/>
-          </ac:spMkLst>
-        </pc:spChg>
-        <pc:picChg chg="del">
-          <ac:chgData name="Michael Ersevim" userId="S::miersevim@my365.bellevue.edu::0cbe52c5-6b1f-468c-9200-bcba12e05a45" providerId="AD" clId="Web-{74DA2A8D-7819-E2C6-DC40-DB31F8E17CD1}" dt="2021-11-18T22:39:49.278" v="821"/>
-          <ac:picMkLst>
-            <pc:docMk/>
-            <pc:sldMk cId="3366521610" sldId="269"/>
-            <ac:picMk id="2" creationId="{E5075AD0-1C96-46BD-90DF-4B06EDF5865B}"/>
-          </ac:picMkLst>
-        </pc:picChg>
-        <pc:picChg chg="add mod">
-          <ac:chgData name="Michael Ersevim" userId="S::miersevim@my365.bellevue.edu::0cbe52c5-6b1f-468c-9200-bcba12e05a45" providerId="AD" clId="Web-{74DA2A8D-7819-E2C6-DC40-DB31F8E17CD1}" dt="2021-11-18T22:39:58.029" v="824" actId="14100"/>
-          <ac:picMkLst>
-            <pc:docMk/>
-            <pc:sldMk cId="3366521610" sldId="269"/>
-            <ac:picMk id="4" creationId="{3D778D85-5A44-465A-A54E-5A66732556B7}"/>
-          </ac:picMkLst>
-        </pc:picChg>
-      </pc:sldChg>
-    </pc:docChg>
-  </pc:docChgLst>
-  <pc:docChgLst>
-    <pc:chgData name="Michael Ersevim" userId="S::miersevim@my365.bellevue.edu::0cbe52c5-6b1f-468c-9200-bcba12e05a45" providerId="AD" clId="Web-{F10E4903-4B94-6D42-9017-901300D7F024}"/>
-    <pc:docChg chg="addSld delSld modSld">
-      <pc:chgData name="Michael Ersevim" userId="S::miersevim@my365.bellevue.edu::0cbe52c5-6b1f-468c-9200-bcba12e05a45" providerId="AD" clId="Web-{F10E4903-4B94-6D42-9017-901300D7F024}" dt="2021-11-13T18:52:41.433" v="726" actId="20577"/>
-      <pc:docMkLst>
-        <pc:docMk/>
-      </pc:docMkLst>
-      <pc:sldChg chg="modSp del">
-        <pc:chgData name="Michael Ersevim" userId="S::miersevim@my365.bellevue.edu::0cbe52c5-6b1f-468c-9200-bcba12e05a45" providerId="AD" clId="Web-{F10E4903-4B94-6D42-9017-901300D7F024}" dt="2021-11-13T18:12:25.177" v="442"/>
-        <pc:sldMkLst>
-          <pc:docMk/>
-          <pc:sldMk cId="2413521584" sldId="257"/>
-        </pc:sldMkLst>
-        <pc:spChg chg="mod">
-          <ac:chgData name="Michael Ersevim" userId="S::miersevim@my365.bellevue.edu::0cbe52c5-6b1f-468c-9200-bcba12e05a45" providerId="AD" clId="Web-{F10E4903-4B94-6D42-9017-901300D7F024}" dt="2021-11-13T18:03:20.069" v="76" actId="20577"/>
-          <ac:spMkLst>
-            <pc:docMk/>
-            <pc:sldMk cId="2413521584" sldId="257"/>
-            <ac:spMk id="2" creationId="{D9254DA5-61FB-4F36-807D-DB622836F1A9}"/>
-          </ac:spMkLst>
-        </pc:spChg>
-      </pc:sldChg>
-      <pc:sldChg chg="modSp">
-        <pc:chgData name="Michael Ersevim" userId="S::miersevim@my365.bellevue.edu::0cbe52c5-6b1f-468c-9200-bcba12e05a45" providerId="AD" clId="Web-{F10E4903-4B94-6D42-9017-901300D7F024}" dt="2021-11-13T18:21:16.555" v="586" actId="20577"/>
-        <pc:sldMkLst>
-          <pc:docMk/>
-          <pc:sldMk cId="4258487348" sldId="258"/>
-        </pc:sldMkLst>
-        <pc:spChg chg="mod">
-          <ac:chgData name="Michael Ersevim" userId="S::miersevim@my365.bellevue.edu::0cbe52c5-6b1f-468c-9200-bcba12e05a45" providerId="AD" clId="Web-{F10E4903-4B94-6D42-9017-901300D7F024}" dt="2021-11-13T18:21:16.555" v="586" actId="20577"/>
-          <ac:spMkLst>
-            <pc:docMk/>
-            <pc:sldMk cId="4258487348" sldId="258"/>
-            <ac:spMk id="3" creationId="{5D43593E-11F8-4F2D-9D38-D06F680DB09B}"/>
-          </ac:spMkLst>
-        </pc:spChg>
-      </pc:sldChg>
-      <pc:sldChg chg="modSp add replId">
-        <pc:chgData name="Michael Ersevim" userId="S::miersevim@my365.bellevue.edu::0cbe52c5-6b1f-468c-9200-bcba12e05a45" providerId="AD" clId="Web-{F10E4903-4B94-6D42-9017-901300D7F024}" dt="2021-11-13T18:47:53.707" v="666" actId="20577"/>
-        <pc:sldMkLst>
-          <pc:docMk/>
-          <pc:sldMk cId="1874445502" sldId="259"/>
-        </pc:sldMkLst>
-        <pc:spChg chg="mod">
-          <ac:chgData name="Michael Ersevim" userId="S::miersevim@my365.bellevue.edu::0cbe52c5-6b1f-468c-9200-bcba12e05a45" providerId="AD" clId="Web-{F10E4903-4B94-6D42-9017-901300D7F024}" dt="2021-11-13T18:47:53.707" v="666" actId="20577"/>
-          <ac:spMkLst>
-            <pc:docMk/>
-            <pc:sldMk cId="1874445502" sldId="259"/>
-            <ac:spMk id="3" creationId="{5D43593E-11F8-4F2D-9D38-D06F680DB09B}"/>
-          </ac:spMkLst>
-        </pc:spChg>
-      </pc:sldChg>
-      <pc:sldChg chg="modSp add replId">
-        <pc:chgData name="Michael Ersevim" userId="S::miersevim@my365.bellevue.edu::0cbe52c5-6b1f-468c-9200-bcba12e05a45" providerId="AD" clId="Web-{F10E4903-4B94-6D42-9017-901300D7F024}" dt="2021-11-13T18:49:17.741" v="704" actId="20577"/>
-        <pc:sldMkLst>
-          <pc:docMk/>
-          <pc:sldMk cId="2414957186" sldId="260"/>
-        </pc:sldMkLst>
-        <pc:spChg chg="mod">
-          <ac:chgData name="Michael Ersevim" userId="S::miersevim@my365.bellevue.edu::0cbe52c5-6b1f-468c-9200-bcba12e05a45" providerId="AD" clId="Web-{F10E4903-4B94-6D42-9017-901300D7F024}" dt="2021-11-13T18:49:17.741" v="704" actId="20577"/>
-          <ac:spMkLst>
-            <pc:docMk/>
-            <pc:sldMk cId="2414957186" sldId="260"/>
-            <ac:spMk id="3" creationId="{5D43593E-11F8-4F2D-9D38-D06F680DB09B}"/>
-          </ac:spMkLst>
-        </pc:spChg>
-      </pc:sldChg>
-      <pc:sldChg chg="modSp add replId">
-        <pc:chgData name="Michael Ersevim" userId="S::miersevim@my365.bellevue.edu::0cbe52c5-6b1f-468c-9200-bcba12e05a45" providerId="AD" clId="Web-{F10E4903-4B94-6D42-9017-901300D7F024}" dt="2021-11-13T18:52:23.683" v="721" actId="20577"/>
-        <pc:sldMkLst>
-          <pc:docMk/>
-          <pc:sldMk cId="3655530332" sldId="261"/>
-        </pc:sldMkLst>
-        <pc:spChg chg="mod">
-          <ac:chgData name="Michael Ersevim" userId="S::miersevim@my365.bellevue.edu::0cbe52c5-6b1f-468c-9200-bcba12e05a45" providerId="AD" clId="Web-{F10E4903-4B94-6D42-9017-901300D7F024}" dt="2021-11-13T18:52:23.683" v="721" actId="20577"/>
-          <ac:spMkLst>
-            <pc:docMk/>
-            <pc:sldMk cId="3655530332" sldId="261"/>
-            <ac:spMk id="3" creationId="{5D43593E-11F8-4F2D-9D38-D06F680DB09B}"/>
-          </ac:spMkLst>
-        </pc:spChg>
-      </pc:sldChg>
-      <pc:sldChg chg="modSp add replId">
-        <pc:chgData name="Michael Ersevim" userId="S::miersevim@my365.bellevue.edu::0cbe52c5-6b1f-468c-9200-bcba12e05a45" providerId="AD" clId="Web-{F10E4903-4B94-6D42-9017-901300D7F024}" dt="2021-11-13T18:27:53.757" v="616" actId="20577"/>
-        <pc:sldMkLst>
-          <pc:docMk/>
-          <pc:sldMk cId="1151016193" sldId="262"/>
-        </pc:sldMkLst>
-        <pc:spChg chg="mod">
-          <ac:chgData name="Michael Ersevim" userId="S::miersevim@my365.bellevue.edu::0cbe52c5-6b1f-468c-9200-bcba12e05a45" providerId="AD" clId="Web-{F10E4903-4B94-6D42-9017-901300D7F024}" dt="2021-11-13T18:27:53.757" v="616" actId="20577"/>
-          <ac:spMkLst>
-            <pc:docMk/>
-            <pc:sldMk cId="1151016193" sldId="262"/>
-            <ac:spMk id="3" creationId="{5D43593E-11F8-4F2D-9D38-D06F680DB09B}"/>
-          </ac:spMkLst>
-        </pc:spChg>
-      </pc:sldChg>
-      <pc:sldChg chg="modSp add replId">
-        <pc:chgData name="Michael Ersevim" userId="S::miersevim@my365.bellevue.edu::0cbe52c5-6b1f-468c-9200-bcba12e05a45" providerId="AD" clId="Web-{F10E4903-4B94-6D42-9017-901300D7F024}" dt="2021-11-13T18:48:24.036" v="676" actId="20577"/>
-        <pc:sldMkLst>
-          <pc:docMk/>
-          <pc:sldMk cId="2402640329" sldId="263"/>
-        </pc:sldMkLst>
-        <pc:spChg chg="mod">
-          <ac:chgData name="Michael Ersevim" userId="S::miersevim@my365.bellevue.edu::0cbe52c5-6b1f-468c-9200-bcba12e05a45" providerId="AD" clId="Web-{F10E4903-4B94-6D42-9017-901300D7F024}" dt="2021-11-13T18:48:24.036" v="676" actId="20577"/>
-          <ac:spMkLst>
-            <pc:docMk/>
-            <pc:sldMk cId="2402640329" sldId="263"/>
-            <ac:spMk id="3" creationId="{5D43593E-11F8-4F2D-9D38-D06F680DB09B}"/>
-          </ac:spMkLst>
-        </pc:spChg>
-      </pc:sldChg>
-      <pc:sldChg chg="modSp add replId">
-        <pc:chgData name="Michael Ersevim" userId="S::miersevim@my365.bellevue.edu::0cbe52c5-6b1f-468c-9200-bcba12e05a45" providerId="AD" clId="Web-{F10E4903-4B94-6D42-9017-901300D7F024}" dt="2021-11-13T18:49:49.351" v="716" actId="20577"/>
-        <pc:sldMkLst>
-          <pc:docMk/>
-          <pc:sldMk cId="2600220071" sldId="264"/>
-        </pc:sldMkLst>
-        <pc:spChg chg="mod">
-          <ac:chgData name="Michael Ersevim" userId="S::miersevim@my365.bellevue.edu::0cbe52c5-6b1f-468c-9200-bcba12e05a45" providerId="AD" clId="Web-{F10E4903-4B94-6D42-9017-901300D7F024}" dt="2021-11-13T18:49:49.351" v="716" actId="20577"/>
-          <ac:spMkLst>
-            <pc:docMk/>
-            <pc:sldMk cId="2600220071" sldId="264"/>
-            <ac:spMk id="3" creationId="{5D43593E-11F8-4F2D-9D38-D06F680DB09B}"/>
-          </ac:spMkLst>
-        </pc:spChg>
-      </pc:sldChg>
-      <pc:sldChg chg="modSp add replId">
-        <pc:chgData name="Michael Ersevim" userId="S::miersevim@my365.bellevue.edu::0cbe52c5-6b1f-468c-9200-bcba12e05a45" providerId="AD" clId="Web-{F10E4903-4B94-6D42-9017-901300D7F024}" dt="2021-11-13T18:52:41.433" v="726" actId="20577"/>
-        <pc:sldMkLst>
-          <pc:docMk/>
-          <pc:sldMk cId="3628542911" sldId="265"/>
-        </pc:sldMkLst>
-        <pc:spChg chg="mod">
-          <ac:chgData name="Michael Ersevim" userId="S::miersevim@my365.bellevue.edu::0cbe52c5-6b1f-468c-9200-bcba12e05a45" providerId="AD" clId="Web-{F10E4903-4B94-6D42-9017-901300D7F024}" dt="2021-11-13T18:52:41.433" v="726" actId="20577"/>
-          <ac:spMkLst>
-            <pc:docMk/>
-            <pc:sldMk cId="3628542911" sldId="265"/>
-            <ac:spMk id="3" creationId="{5D43593E-11F8-4F2D-9D38-D06F680DB09B}"/>
-          </ac:spMkLst>
-        </pc:spChg>
-      </pc:sldChg>
-      <pc:sldChg chg="modSp add replId">
-        <pc:chgData name="Michael Ersevim" userId="S::miersevim@my365.bellevue.edu::0cbe52c5-6b1f-468c-9200-bcba12e05a45" providerId="AD" clId="Web-{F10E4903-4B94-6D42-9017-901300D7F024}" dt="2021-11-13T18:52:28.246" v="722" actId="20577"/>
-        <pc:sldMkLst>
-          <pc:docMk/>
-          <pc:sldMk cId="51022257" sldId="266"/>
-        </pc:sldMkLst>
-        <pc:spChg chg="mod">
-          <ac:chgData name="Michael Ersevim" userId="S::miersevim@my365.bellevue.edu::0cbe52c5-6b1f-468c-9200-bcba12e05a45" providerId="AD" clId="Web-{F10E4903-4B94-6D42-9017-901300D7F024}" dt="2021-11-13T18:52:28.246" v="722" actId="20577"/>
-          <ac:spMkLst>
-            <pc:docMk/>
-            <pc:sldMk cId="51022257" sldId="266"/>
-            <ac:spMk id="3" creationId="{5D43593E-11F8-4F2D-9D38-D06F680DB09B}"/>
-          </ac:spMkLst>
-        </pc:spChg>
-      </pc:sldChg>
-    </pc:docChg>
-  </pc:docChgLst>
-  <pc:docChgLst>
-    <pc:chgData name="Michael Ersevim" userId="S::miersevim@my365.bellevue.edu::0cbe52c5-6b1f-468c-9200-bcba12e05a45" providerId="AD" clId="Web-{91571159-6108-C968-7B8F-ECCA2D6B74A8}"/>
-    <pc:docChg chg="modSld">
-      <pc:chgData name="Michael Ersevim" userId="S::miersevim@my365.bellevue.edu::0cbe52c5-6b1f-468c-9200-bcba12e05a45" providerId="AD" clId="Web-{91571159-6108-C968-7B8F-ECCA2D6B74A8}" dt="2021-11-14T19:38:49.009" v="441" actId="20577"/>
-      <pc:docMkLst>
-        <pc:docMk/>
-      </pc:docMkLst>
-      <pc:sldChg chg="modSp">
-        <pc:chgData name="Michael Ersevim" userId="S::miersevim@my365.bellevue.edu::0cbe52c5-6b1f-468c-9200-bcba12e05a45" providerId="AD" clId="Web-{91571159-6108-C968-7B8F-ECCA2D6B74A8}" dt="2021-11-14T19:29:36.696" v="28" actId="20577"/>
-        <pc:sldMkLst>
-          <pc:docMk/>
-          <pc:sldMk cId="2414957186" sldId="260"/>
-        </pc:sldMkLst>
-        <pc:spChg chg="mod">
-          <ac:chgData name="Michael Ersevim" userId="S::miersevim@my365.bellevue.edu::0cbe52c5-6b1f-468c-9200-bcba12e05a45" providerId="AD" clId="Web-{91571159-6108-C968-7B8F-ECCA2D6B74A8}" dt="2021-11-14T19:29:36.696" v="28" actId="20577"/>
-          <ac:spMkLst>
-            <pc:docMk/>
-            <pc:sldMk cId="2414957186" sldId="260"/>
-            <ac:spMk id="3" creationId="{5D43593E-11F8-4F2D-9D38-D06F680DB09B}"/>
-          </ac:spMkLst>
-        </pc:spChg>
-      </pc:sldChg>
-      <pc:sldChg chg="modSp">
-        <pc:chgData name="Michael Ersevim" userId="S::miersevim@my365.bellevue.edu::0cbe52c5-6b1f-468c-9200-bcba12e05a45" providerId="AD" clId="Web-{91571159-6108-C968-7B8F-ECCA2D6B74A8}" dt="2021-11-14T19:35:32.519" v="417" actId="20577"/>
-        <pc:sldMkLst>
-          <pc:docMk/>
-          <pc:sldMk cId="2402640329" sldId="263"/>
-        </pc:sldMkLst>
-        <pc:spChg chg="mod">
-          <ac:chgData name="Michael Ersevim" userId="S::miersevim@my365.bellevue.edu::0cbe52c5-6b1f-468c-9200-bcba12e05a45" providerId="AD" clId="Web-{91571159-6108-C968-7B8F-ECCA2D6B74A8}" dt="2021-11-14T19:35:32.519" v="417" actId="20577"/>
-          <ac:spMkLst>
-            <pc:docMk/>
-            <pc:sldMk cId="2402640329" sldId="263"/>
-            <ac:spMk id="3" creationId="{5D43593E-11F8-4F2D-9D38-D06F680DB09B}"/>
-          </ac:spMkLst>
-        </pc:spChg>
-      </pc:sldChg>
-      <pc:sldChg chg="modSp">
-        <pc:chgData name="Michael Ersevim" userId="S::miersevim@my365.bellevue.edu::0cbe52c5-6b1f-468c-9200-bcba12e05a45" providerId="AD" clId="Web-{91571159-6108-C968-7B8F-ECCA2D6B74A8}" dt="2021-11-14T19:38:49.009" v="441" actId="20577"/>
-        <pc:sldMkLst>
-          <pc:docMk/>
-          <pc:sldMk cId="3628542911" sldId="265"/>
-        </pc:sldMkLst>
-        <pc:spChg chg="mod">
-          <ac:chgData name="Michael Ersevim" userId="S::miersevim@my365.bellevue.edu::0cbe52c5-6b1f-468c-9200-bcba12e05a45" providerId="AD" clId="Web-{91571159-6108-C968-7B8F-ECCA2D6B74A8}" dt="2021-11-14T19:38:49.009" v="441" actId="20577"/>
-          <ac:spMkLst>
-            <pc:docMk/>
-            <pc:sldMk cId="3628542911" sldId="265"/>
-            <ac:spMk id="3" creationId="{5D43593E-11F8-4F2D-9D38-D06F680DB09B}"/>
-          </ac:spMkLst>
-        </pc:spChg>
-      </pc:sldChg>
-      <pc:sldChg chg="modSp">
-        <pc:chgData name="Michael Ersevim" userId="S::miersevim@my365.bellevue.edu::0cbe52c5-6b1f-468c-9200-bcba12e05a45" providerId="AD" clId="Web-{91571159-6108-C968-7B8F-ECCA2D6B74A8}" dt="2021-11-14T19:38:18.712" v="421" actId="20577"/>
-        <pc:sldMkLst>
-          <pc:docMk/>
-          <pc:sldMk cId="51022257" sldId="266"/>
-        </pc:sldMkLst>
-        <pc:spChg chg="mod">
-          <ac:chgData name="Michael Ersevim" userId="S::miersevim@my365.bellevue.edu::0cbe52c5-6b1f-468c-9200-bcba12e05a45" providerId="AD" clId="Web-{91571159-6108-C968-7B8F-ECCA2D6B74A8}" dt="2021-11-14T19:38:18.712" v="421" actId="20577"/>
-          <ac:spMkLst>
-            <pc:docMk/>
-            <pc:sldMk cId="51022257" sldId="266"/>
-            <ac:spMk id="3" creationId="{5D43593E-11F8-4F2D-9D38-D06F680DB09B}"/>
-          </ac:spMkLst>
-        </pc:spChg>
-      </pc:sldChg>
-    </pc:docChg>
-  </pc:docChgLst>
-  <pc:docChgLst>
-    <pc:chgData name="Michael Ersevim" userId="S::miersevim@my365.bellevue.edu::0cbe52c5-6b1f-468c-9200-bcba12e05a45" providerId="AD" clId="Web-{4850E8E5-23A2-E270-CE9B-C30316F4E26F}"/>
-    <pc:docChg chg="addSld modSld sldOrd">
-      <pc:chgData name="Michael Ersevim" userId="S::miersevim@my365.bellevue.edu::0cbe52c5-6b1f-468c-9200-bcba12e05a45" providerId="AD" clId="Web-{4850E8E5-23A2-E270-CE9B-C30316F4E26F}" dt="2021-11-01T19:53:10.719" v="26" actId="20577"/>
-      <pc:docMkLst>
-        <pc:docMk/>
-      </pc:docMkLst>
-      <pc:sldChg chg="delSp modSp new ord">
-        <pc:chgData name="Michael Ersevim" userId="S::miersevim@my365.bellevue.edu::0cbe52c5-6b1f-468c-9200-bcba12e05a45" providerId="AD" clId="Web-{4850E8E5-23A2-E270-CE9B-C30316F4E26F}" dt="2021-11-01T19:53:10.719" v="26" actId="20577"/>
-        <pc:sldMkLst>
-          <pc:docMk/>
-          <pc:sldMk cId="4258487348" sldId="258"/>
-        </pc:sldMkLst>
-        <pc:spChg chg="del">
-          <ac:chgData name="Michael Ersevim" userId="S::miersevim@my365.bellevue.edu::0cbe52c5-6b1f-468c-9200-bcba12e05a45" providerId="AD" clId="Web-{4850E8E5-23A2-E270-CE9B-C30316F4E26F}" dt="2021-11-01T19:50:58.464" v="1"/>
-          <ac:spMkLst>
-            <pc:docMk/>
-            <pc:sldMk cId="4258487348" sldId="258"/>
-            <ac:spMk id="2" creationId="{D4DDD521-5453-4BDC-9B49-1874BFBF4CA9}"/>
-          </ac:spMkLst>
-        </pc:spChg>
-        <pc:spChg chg="mod">
-          <ac:chgData name="Michael Ersevim" userId="S::miersevim@my365.bellevue.edu::0cbe52c5-6b1f-468c-9200-bcba12e05a45" providerId="AD" clId="Web-{4850E8E5-23A2-E270-CE9B-C30316F4E26F}" dt="2021-11-01T19:53:10.719" v="26" actId="20577"/>
-          <ac:spMkLst>
-            <pc:docMk/>
-            <pc:sldMk cId="4258487348" sldId="258"/>
-            <ac:spMk id="3" creationId="{5D43593E-11F8-4F2D-9D38-D06F680DB09B}"/>
-          </ac:spMkLst>
-        </pc:spChg>
-      </pc:sldChg>
-    </pc:docChg>
-  </pc:docChgLst>
-  <pc:docChgLst>
-    <pc:chgData name="Michael Ersevim" userId="S::miersevim@my365.bellevue.edu::0cbe52c5-6b1f-468c-9200-bcba12e05a45" providerId="AD" clId="Web-{E26631AE-9739-638D-5822-C35CC3378E2F}"/>
-    <pc:docChg chg="addSld modSld">
-      <pc:chgData name="Michael Ersevim" userId="S::miersevim@my365.bellevue.edu::0cbe52c5-6b1f-468c-9200-bcba12e05a45" providerId="AD" clId="Web-{E26631AE-9739-638D-5822-C35CC3378E2F}" dt="2021-11-17T01:31:46.180" v="254" actId="20577"/>
-      <pc:docMkLst>
-        <pc:docMk/>
-      </pc:docMkLst>
-      <pc:sldChg chg="modSp">
-        <pc:chgData name="Michael Ersevim" userId="S::miersevim@my365.bellevue.edu::0cbe52c5-6b1f-468c-9200-bcba12e05a45" providerId="AD" clId="Web-{E26631AE-9739-638D-5822-C35CC3378E2F}" dt="2021-11-17T01:29:39.662" v="244" actId="20577"/>
-        <pc:sldMkLst>
-          <pc:docMk/>
-          <pc:sldMk cId="2414957186" sldId="260"/>
-        </pc:sldMkLst>
-        <pc:spChg chg="mod">
-          <ac:chgData name="Michael Ersevim" userId="S::miersevim@my365.bellevue.edu::0cbe52c5-6b1f-468c-9200-bcba12e05a45" providerId="AD" clId="Web-{E26631AE-9739-638D-5822-C35CC3378E2F}" dt="2021-11-17T01:29:39.662" v="244" actId="20577"/>
-          <ac:spMkLst>
-            <pc:docMk/>
-            <pc:sldMk cId="2414957186" sldId="260"/>
-            <ac:spMk id="3" creationId="{5D43593E-11F8-4F2D-9D38-D06F680DB09B}"/>
-          </ac:spMkLst>
-        </pc:spChg>
-      </pc:sldChg>
-      <pc:sldChg chg="addSp delSp modSp mod modClrScheme chgLayout">
-        <pc:chgData name="Michael Ersevim" userId="S::miersevim@my365.bellevue.edu::0cbe52c5-6b1f-468c-9200-bcba12e05a45" providerId="AD" clId="Web-{E26631AE-9739-638D-5822-C35CC3378E2F}" dt="2021-11-17T01:24:33.249" v="202" actId="20577"/>
-        <pc:sldMkLst>
-          <pc:docMk/>
-          <pc:sldMk cId="3655530332" sldId="261"/>
-        </pc:sldMkLst>
-        <pc:spChg chg="add del mod ord">
-          <ac:chgData name="Michael Ersevim" userId="S::miersevim@my365.bellevue.edu::0cbe52c5-6b1f-468c-9200-bcba12e05a45" providerId="AD" clId="Web-{E26631AE-9739-638D-5822-C35CC3378E2F}" dt="2021-11-17T01:10:25.542" v="184"/>
-          <ac:spMkLst>
-            <pc:docMk/>
-            <pc:sldMk cId="3655530332" sldId="261"/>
-            <ac:spMk id="2" creationId="{A32630E8-0A62-4B4F-9650-1B1D061D3783}"/>
-          </ac:spMkLst>
-        </pc:spChg>
-        <pc:spChg chg="mod ord">
-          <ac:chgData name="Michael Ersevim" userId="S::miersevim@my365.bellevue.edu::0cbe52c5-6b1f-468c-9200-bcba12e05a45" providerId="AD" clId="Web-{E26631AE-9739-638D-5822-C35CC3378E2F}" dt="2021-11-17T01:24:33.249" v="202" actId="20577"/>
-          <ac:spMkLst>
-            <pc:docMk/>
-            <pc:sldMk cId="3655530332" sldId="261"/>
-            <ac:spMk id="3" creationId="{5D43593E-11F8-4F2D-9D38-D06F680DB09B}"/>
-          </ac:spMkLst>
-        </pc:spChg>
-        <pc:picChg chg="add mod">
-          <ac:chgData name="Michael Ersevim" userId="S::miersevim@my365.bellevue.edu::0cbe52c5-6b1f-468c-9200-bcba12e05a45" providerId="AD" clId="Web-{E26631AE-9739-638D-5822-C35CC3378E2F}" dt="2021-11-17T01:23:44.576" v="195" actId="1076"/>
-          <ac:picMkLst>
-            <pc:docMk/>
-            <pc:sldMk cId="3655530332" sldId="261"/>
-            <ac:picMk id="4" creationId="{6D02521F-8BD4-478B-AB28-52DEF4480C45}"/>
-          </ac:picMkLst>
-        </pc:picChg>
-        <pc:picChg chg="add mod">
-          <ac:chgData name="Michael Ersevim" userId="S::miersevim@my365.bellevue.edu::0cbe52c5-6b1f-468c-9200-bcba12e05a45" providerId="AD" clId="Web-{E26631AE-9739-638D-5822-C35CC3378E2F}" dt="2021-11-17T01:24:01.701" v="197" actId="1076"/>
-          <ac:picMkLst>
-            <pc:docMk/>
-            <pc:sldMk cId="3655530332" sldId="261"/>
-            <ac:picMk id="5" creationId="{5885E478-9A22-4889-AB95-D42A80713E11}"/>
-          </ac:picMkLst>
-        </pc:picChg>
-      </pc:sldChg>
-      <pc:sldChg chg="modSp">
-        <pc:chgData name="Michael Ersevim" userId="S::miersevim@my365.bellevue.edu::0cbe52c5-6b1f-468c-9200-bcba12e05a45" providerId="AD" clId="Web-{E26631AE-9739-638D-5822-C35CC3378E2F}" dt="2021-11-17T01:29:14.349" v="243" actId="20577"/>
-        <pc:sldMkLst>
-          <pc:docMk/>
-          <pc:sldMk cId="2402640329" sldId="263"/>
-        </pc:sldMkLst>
-        <pc:spChg chg="mod">
-          <ac:chgData name="Michael Ersevim" userId="S::miersevim@my365.bellevue.edu::0cbe52c5-6b1f-468c-9200-bcba12e05a45" providerId="AD" clId="Web-{E26631AE-9739-638D-5822-C35CC3378E2F}" dt="2021-11-17T01:29:14.349" v="243" actId="20577"/>
-          <ac:spMkLst>
-            <pc:docMk/>
-            <pc:sldMk cId="2402640329" sldId="263"/>
-            <ac:spMk id="3" creationId="{5D43593E-11F8-4F2D-9D38-D06F680DB09B}"/>
-          </ac:spMkLst>
-        </pc:spChg>
-      </pc:sldChg>
-      <pc:sldChg chg="modSp">
-        <pc:chgData name="Michael Ersevim" userId="S::miersevim@my365.bellevue.edu::0cbe52c5-6b1f-468c-9200-bcba12e05a45" providerId="AD" clId="Web-{E26631AE-9739-638D-5822-C35CC3378E2F}" dt="2021-11-17T01:09:35.119" v="182" actId="20577"/>
-        <pc:sldMkLst>
-          <pc:docMk/>
-          <pc:sldMk cId="2600220071" sldId="264"/>
-        </pc:sldMkLst>
-        <pc:spChg chg="mod">
-          <ac:chgData name="Michael Ersevim" userId="S::miersevim@my365.bellevue.edu::0cbe52c5-6b1f-468c-9200-bcba12e05a45" providerId="AD" clId="Web-{E26631AE-9739-638D-5822-C35CC3378E2F}" dt="2021-11-17T01:09:35.119" v="182" actId="20577"/>
-          <ac:spMkLst>
-            <pc:docMk/>
-            <pc:sldMk cId="2600220071" sldId="264"/>
-            <ac:spMk id="3" creationId="{5D43593E-11F8-4F2D-9D38-D06F680DB09B}"/>
-          </ac:spMkLst>
-        </pc:spChg>
-      </pc:sldChg>
-      <pc:sldChg chg="modSp add replId">
-        <pc:chgData name="Michael Ersevim" userId="S::miersevim@my365.bellevue.edu::0cbe52c5-6b1f-468c-9200-bcba12e05a45" providerId="AD" clId="Web-{E26631AE-9739-638D-5822-C35CC3378E2F}" dt="2021-11-17T01:31:46.180" v="254" actId="20577"/>
-        <pc:sldMkLst>
-          <pc:docMk/>
-          <pc:sldMk cId="1449049376" sldId="267"/>
-        </pc:sldMkLst>
-        <pc:spChg chg="mod">
-          <ac:chgData name="Michael Ersevim" userId="S::miersevim@my365.bellevue.edu::0cbe52c5-6b1f-468c-9200-bcba12e05a45" providerId="AD" clId="Web-{E26631AE-9739-638D-5822-C35CC3378E2F}" dt="2021-11-17T01:31:46.180" v="254" actId="20577"/>
-          <ac:spMkLst>
-            <pc:docMk/>
-            <pc:sldMk cId="1449049376" sldId="267"/>
-            <ac:spMk id="3" creationId="{5D43593E-11F8-4F2D-9D38-D06F680DB09B}"/>
-          </ac:spMkLst>
-        </pc:spChg>
-      </pc:sldChg>
-    </pc:docChg>
-  </pc:docChgLst>
-</pc:chgInfo>
 </file>
 
 <file path=ppt/slideLayouts/slideLayout1.xml><?xml version="1.0" encoding="utf-8"?>
@@ -967,7 +270,7 @@
           <a:p>
             <a:fld id="{846CE7D5-CF57-46EF-B807-FDD0502418D4}" type="datetimeFigureOut">
               <a:rPr lang="en-US" smtClean="0"/>
-              <a:t>11/18/2021</a:t>
+              <a:t>11/20/2021</a:t>
             </a:fld>
             <a:endParaRPr lang="en-US"/>
           </a:p>
@@ -1137,7 +440,7 @@
           <a:p>
             <a:fld id="{846CE7D5-CF57-46EF-B807-FDD0502418D4}" type="datetimeFigureOut">
               <a:rPr lang="en-US" smtClean="0"/>
-              <a:t>11/18/2021</a:t>
+              <a:t>11/20/2021</a:t>
             </a:fld>
             <a:endParaRPr lang="en-US"/>
           </a:p>
@@ -1317,7 +620,7 @@
           <a:p>
             <a:fld id="{846CE7D5-CF57-46EF-B807-FDD0502418D4}" type="datetimeFigureOut">
               <a:rPr lang="en-US" smtClean="0"/>
-              <a:t>11/18/2021</a:t>
+              <a:t>11/20/2021</a:t>
             </a:fld>
             <a:endParaRPr lang="en-US"/>
           </a:p>
@@ -1487,7 +790,7 @@
           <a:p>
             <a:fld id="{846CE7D5-CF57-46EF-B807-FDD0502418D4}" type="datetimeFigureOut">
               <a:rPr lang="en-US" smtClean="0"/>
-              <a:t>11/18/2021</a:t>
+              <a:t>11/20/2021</a:t>
             </a:fld>
             <a:endParaRPr lang="en-US"/>
           </a:p>
@@ -1733,7 +1036,7 @@
           <a:p>
             <a:fld id="{846CE7D5-CF57-46EF-B807-FDD0502418D4}" type="datetimeFigureOut">
               <a:rPr lang="en-US" smtClean="0"/>
-              <a:t>11/18/2021</a:t>
+              <a:t>11/20/2021</a:t>
             </a:fld>
             <a:endParaRPr lang="en-US"/>
           </a:p>
@@ -1965,7 +1268,7 @@
           <a:p>
             <a:fld id="{846CE7D5-CF57-46EF-B807-FDD0502418D4}" type="datetimeFigureOut">
               <a:rPr lang="en-US" smtClean="0"/>
-              <a:t>11/18/2021</a:t>
+              <a:t>11/20/2021</a:t>
             </a:fld>
             <a:endParaRPr lang="en-US"/>
           </a:p>
@@ -2332,7 +1635,7 @@
           <a:p>
             <a:fld id="{846CE7D5-CF57-46EF-B807-FDD0502418D4}" type="datetimeFigureOut">
               <a:rPr lang="en-US" smtClean="0"/>
-              <a:t>11/18/2021</a:t>
+              <a:t>11/20/2021</a:t>
             </a:fld>
             <a:endParaRPr lang="en-US"/>
           </a:p>
@@ -2450,7 +1753,7 @@
           <a:p>
             <a:fld id="{846CE7D5-CF57-46EF-B807-FDD0502418D4}" type="datetimeFigureOut">
               <a:rPr lang="en-US" smtClean="0"/>
-              <a:t>11/18/2021</a:t>
+              <a:t>11/20/2021</a:t>
             </a:fld>
             <a:endParaRPr lang="en-US"/>
           </a:p>
@@ -2545,7 +1848,7 @@
           <a:p>
             <a:fld id="{846CE7D5-CF57-46EF-B807-FDD0502418D4}" type="datetimeFigureOut">
               <a:rPr lang="en-US" smtClean="0"/>
-              <a:t>11/18/2021</a:t>
+              <a:t>11/20/2021</a:t>
             </a:fld>
             <a:endParaRPr lang="en-US"/>
           </a:p>
@@ -2822,7 +2125,7 @@
           <a:p>
             <a:fld id="{846CE7D5-CF57-46EF-B807-FDD0502418D4}" type="datetimeFigureOut">
               <a:rPr lang="en-US" smtClean="0"/>
-              <a:t>11/18/2021</a:t>
+              <a:t>11/20/2021</a:t>
             </a:fld>
             <a:endParaRPr lang="en-US"/>
           </a:p>
@@ -3079,7 +2382,7 @@
           <a:p>
             <a:fld id="{846CE7D5-CF57-46EF-B807-FDD0502418D4}" type="datetimeFigureOut">
               <a:rPr lang="en-US" smtClean="0"/>
-              <a:t>11/18/2021</a:t>
+              <a:t>11/20/2021</a:t>
             </a:fld>
             <a:endParaRPr lang="en-US"/>
           </a:p>
@@ -3292,7 +2595,7 @@
           <a:p>
             <a:fld id="{846CE7D5-CF57-46EF-B807-FDD0502418D4}" type="datetimeFigureOut">
               <a:rPr lang="en-US" smtClean="0"/>
-              <a:t>11/18/2021</a:t>
+              <a:t>11/20/2021</a:t>
             </a:fld>
             <a:endParaRPr lang="en-US"/>
           </a:p>
@@ -3882,7 +3185,7 @@
           <a:lstStyle/>
           <a:p>
             <a:r>
-              <a:rPr lang="en-US" sz="4000" dirty="0">
+              <a:rPr lang="en-US" sz="4800" dirty="0">
                 <a:solidFill>
                   <a:srgbClr val="FFFFFF"/>
                 </a:solidFill>
@@ -3891,7 +3194,7 @@
               <a:t>Michael </a:t>
             </a:r>
             <a:r>
-              <a:rPr lang="en-US" sz="4000" dirty="0" err="1">
+              <a:rPr lang="en-US" sz="4800" dirty="0" err="1">
                 <a:solidFill>
                   <a:srgbClr val="FFFFFF"/>
                 </a:solidFill>
@@ -3899,7 +3202,7 @@
               </a:rPr>
               <a:t>Ersevim</a:t>
             </a:r>
-            <a:endParaRPr lang="en-US" sz="4000" dirty="0">
+            <a:endParaRPr lang="en-US" sz="4800" dirty="0">
               <a:solidFill>
                 <a:srgbClr val="FFFFFF"/>
               </a:solidFill>
@@ -4203,7 +3506,7 @@
           </a:p>
           <a:p>
             <a:r>
-              <a:rPr lang="en-US" b="1" u="sng">
+              <a:rPr lang="en-US" b="1" u="sng" dirty="0">
                 <a:solidFill>
                   <a:schemeClr val="tx1"/>
                 </a:solidFill>
@@ -4212,7 +3515,7 @@
               </a:rPr>
               <a:t>Hypothesis testing: difference in means:</a:t>
             </a:r>
-            <a:endParaRPr lang="en-US">
+            <a:endParaRPr lang="en-US" dirty="0">
               <a:solidFill>
                 <a:schemeClr val="tx1"/>
               </a:solidFill>
@@ -4222,7 +3525,7 @@
           </a:p>
           <a:p>
             <a:r>
-              <a:rPr lang="en-US">
+              <a:rPr lang="en-US" dirty="0">
                 <a:solidFill>
                   <a:schemeClr val="tx1">
                     <a:lumMod val="85000"/>
@@ -4234,20 +3537,10 @@
               </a:rPr>
               <a:t>Below, we are testing the difference in the Pre and Post-Covid mean of dumpster size.</a:t>
             </a:r>
-            <a:endParaRPr lang="en-US" dirty="0">
-              <a:solidFill>
-                <a:schemeClr val="tx1">
-                  <a:lumMod val="85000"/>
-                  <a:lumOff val="15000"/>
-                </a:schemeClr>
-              </a:solidFill>
-              <a:ea typeface="+mn-lt"/>
-              <a:cs typeface="+mn-lt"/>
-            </a:endParaRPr>
-          </a:p>
-          <a:p>
-            <a:r>
-              <a:rPr lang="en-US">
+          </a:p>
+          <a:p>
+            <a:r>
+              <a:rPr lang="en-US" dirty="0">
                 <a:solidFill>
                   <a:schemeClr val="tx1">
                     <a:lumMod val="85000"/>
@@ -4256,19 +3549,7 @@
                 </a:solidFill>
                 <a:cs typeface="Calibri"/>
               </a:rPr>
-              <a:t>The t-statistic of –13.9 and a p-vlaue of essentially 0 are telling us that there is virtually NO chance the the means of dumpster size pre and post Covid </a:t>
-            </a:r>
-            <a:r>
-              <a:rPr lang="en-US" dirty="0">
-                <a:solidFill>
-                  <a:schemeClr val="tx1">
-                    <a:lumMod val="85000"/>
-                    <a:lumOff val="15000"/>
-                  </a:schemeClr>
-                </a:solidFill>
-                <a:cs typeface="Calibri"/>
-              </a:rPr>
-              <a:t>are the same and that the differences are due to only sampling error</a:t>
+              <a:t>The t-statistic of –13.9 and a p-value of essentially 0 are telling us that there is virtually NO chance the means of dumpster size pre and post Covid are the same and that the differences are due to only sampling error</a:t>
             </a:r>
           </a:p>
         </p:txBody>
@@ -4711,6 +3992,244 @@
   </p:cSld>
   <p:clrMapOvr>
     <a:masterClrMapping/>
+  </p:clrMapOvr>
+</p:sld>
+</file>
+
+<file path=ppt/slides/slide14.xml><?xml version="1.0" encoding="utf-8"?>
+<p:sld xmlns:a="http://schemas.openxmlformats.org/drawingml/2006/main" xmlns:r="http://schemas.openxmlformats.org/officeDocument/2006/relationships" xmlns:p="http://schemas.openxmlformats.org/presentationml/2006/main">
+  <p:cSld>
+    <p:bg>
+      <p:bgPr>
+        <a:solidFill>
+          <a:srgbClr val="000000"/>
+        </a:solidFill>
+        <a:effectLst/>
+      </p:bgPr>
+    </p:bg>
+    <p:spTree>
+      <p:nvGrpSpPr>
+        <p:cNvPr id="1" name=""/>
+        <p:cNvGrpSpPr/>
+        <p:nvPr/>
+      </p:nvGrpSpPr>
+      <p:grpSpPr>
+        <a:xfrm>
+          <a:off x="0" y="0"/>
+          <a:ext cx="0" cy="0"/>
+          <a:chOff x="0" y="0"/>
+          <a:chExt cx="0" cy="0"/>
+        </a:xfrm>
+      </p:grpSpPr>
+      <p:sp>
+        <p:nvSpPr>
+          <p:cNvPr id="9" name="Rectangle 8">
+            <a:extLst>
+              <a:ext uri="{FF2B5EF4-FFF2-40B4-BE49-F238E27FC236}">
+                <a16:creationId xmlns:a16="http://schemas.microsoft.com/office/drawing/2014/main" id="{71B2258F-86CA-4D4D-8270-BC05FCDEBFB3}"/>
+              </a:ext>
+              <a:ext uri="{C183D7F6-B498-43B3-948B-1728B52AA6E4}">
+                <adec:decorative xmlns:adec="http://schemas.microsoft.com/office/drawing/2017/decorative" val="1"/>
+              </a:ext>
+            </a:extLst>
+          </p:cNvPr>
+          <p:cNvSpPr>
+            <a:spLocks noGrp="1" noRot="1" noChangeAspect="1" noMove="1" noResize="1" noEditPoints="1" noAdjustHandles="1" noChangeArrowheads="1" noChangeShapeType="1" noTextEdit="1"/>
+          </p:cNvSpPr>
+          <p:nvPr>
+            <p:extLst>
+              <p:ext uri="{386F3935-93C4-4BCD-93E2-E3B085C9AB24}">
+                <p16:designElem xmlns:p16="http://schemas.microsoft.com/office/powerpoint/2015/main" val="1"/>
+              </p:ext>
+            </p:extLst>
+          </p:nvPr>
+        </p:nvSpPr>
+        <p:spPr>
+          <a:xfrm>
+            <a:off x="0" y="0"/>
+            <a:ext cx="12192000" cy="6857999"/>
+          </a:xfrm>
+          <a:prstGeom prst="rect">
+            <a:avLst/>
+          </a:prstGeom>
+          <a:solidFill>
+            <a:srgbClr val="000000"/>
+          </a:solidFill>
+          <a:ln>
+            <a:noFill/>
+          </a:ln>
+        </p:spPr>
+        <p:style>
+          <a:lnRef idx="2">
+            <a:schemeClr val="accent1">
+              <a:shade val="50000"/>
+            </a:schemeClr>
+          </a:lnRef>
+          <a:fillRef idx="1">
+            <a:schemeClr val="accent1"/>
+          </a:fillRef>
+          <a:effectRef idx="0">
+            <a:schemeClr val="accent1"/>
+          </a:effectRef>
+          <a:fontRef idx="minor">
+            <a:schemeClr val="lt1"/>
+          </a:fontRef>
+        </p:style>
+        <p:txBody>
+          <a:bodyPr rtlCol="0" anchor="ctr"/>
+          <a:lstStyle/>
+          <a:p>
+            <a:pPr algn="ctr"/>
+            <a:endParaRPr lang="en-US"/>
+          </a:p>
+        </p:txBody>
+      </p:sp>
+      <p:pic>
+        <p:nvPicPr>
+          <p:cNvPr id="4" name="Picture 4" descr="Free Images : computer, technology, wire, internet, color ...">
+            <a:extLst>
+              <a:ext uri="{FF2B5EF4-FFF2-40B4-BE49-F238E27FC236}">
+                <a16:creationId xmlns:a16="http://schemas.microsoft.com/office/drawing/2014/main" id="{7159CA3F-D48E-4872-9011-4AAE7B25E5D2}"/>
+              </a:ext>
+            </a:extLst>
+          </p:cNvPr>
+          <p:cNvPicPr>
+            <a:picLocks noChangeAspect="1"/>
+          </p:cNvPicPr>
+          <p:nvPr/>
+        </p:nvPicPr>
+        <p:blipFill rotWithShape="1">
+          <a:blip r:embed="rId2">
+            <a:alphaModFix amt="50000"/>
+          </a:blip>
+          <a:srcRect t="12331" b="3399"/>
+          <a:stretch/>
+        </p:blipFill>
+        <p:spPr>
+          <a:xfrm>
+            <a:off x="20" y="1"/>
+            <a:ext cx="12191980" cy="6857999"/>
+          </a:xfrm>
+          <a:prstGeom prst="rect">
+            <a:avLst/>
+          </a:prstGeom>
+        </p:spPr>
+      </p:pic>
+      <p:sp>
+        <p:nvSpPr>
+          <p:cNvPr id="2" name="Title 1"/>
+          <p:cNvSpPr>
+            <a:spLocks noGrp="1"/>
+          </p:cNvSpPr>
+          <p:nvPr>
+            <p:ph type="ctrTitle"/>
+          </p:nvPr>
+        </p:nvSpPr>
+        <p:spPr>
+          <a:xfrm>
+            <a:off x="1524000" y="1122362"/>
+            <a:ext cx="9144000" cy="2900518"/>
+          </a:xfrm>
+        </p:spPr>
+        <p:txBody>
+          <a:bodyPr>
+            <a:normAutofit/>
+          </a:bodyPr>
+          <a:lstStyle/>
+          <a:p>
+            <a:r>
+              <a:rPr lang="en-US" dirty="0">
+                <a:ea typeface="+mj-lt"/>
+                <a:cs typeface="+mj-lt"/>
+              </a:rPr>
+              <a:t>Thanks for a great semester!</a:t>
+            </a:r>
+          </a:p>
+          <a:p>
+            <a:r>
+              <a:rPr lang="en-US" dirty="0">
+                <a:solidFill>
+                  <a:srgbClr val="FFFFFF"/>
+                </a:solidFill>
+                <a:cs typeface="Calibri Light"/>
+              </a:rPr>
+              <a:t>Bellevue DSC530</a:t>
+            </a:r>
+            <a:br>
+              <a:rPr lang="en-US" dirty="0">
+                <a:solidFill>
+                  <a:srgbClr val="FFFFFF"/>
+                </a:solidFill>
+                <a:cs typeface="Calibri Light"/>
+              </a:rPr>
+            </a:br>
+            <a:r>
+              <a:rPr lang="en-US" dirty="0">
+                <a:cs typeface="Calibri Light"/>
+              </a:rPr>
+              <a:t>Fall 2021</a:t>
+            </a:r>
+          </a:p>
+        </p:txBody>
+      </p:sp>
+      <p:sp>
+        <p:nvSpPr>
+          <p:cNvPr id="3" name="Subtitle 2"/>
+          <p:cNvSpPr>
+            <a:spLocks noGrp="1"/>
+          </p:cNvSpPr>
+          <p:nvPr>
+            <p:ph type="subTitle" idx="1"/>
+          </p:nvPr>
+        </p:nvSpPr>
+        <p:spPr>
+          <a:xfrm>
+            <a:off x="1524000" y="4159404"/>
+            <a:ext cx="9144000" cy="1098395"/>
+          </a:xfrm>
+        </p:spPr>
+        <p:txBody>
+          <a:bodyPr vert="horz" lIns="91440" tIns="45720" rIns="91440" bIns="45720" rtlCol="0" anchor="t">
+            <a:normAutofit/>
+          </a:bodyPr>
+          <a:lstStyle/>
+          <a:p>
+            <a:r>
+              <a:rPr lang="en-US" sz="4800" dirty="0">
+                <a:solidFill>
+                  <a:srgbClr val="FFFFFF"/>
+                </a:solidFill>
+                <a:cs typeface="Calibri"/>
+              </a:rPr>
+              <a:t>Michael </a:t>
+            </a:r>
+            <a:r>
+              <a:rPr lang="en-US" sz="4800" dirty="0" err="1">
+                <a:solidFill>
+                  <a:srgbClr val="FFFFFF"/>
+                </a:solidFill>
+                <a:cs typeface="Calibri"/>
+              </a:rPr>
+              <a:t>Ersevim</a:t>
+            </a:r>
+            <a:endParaRPr lang="en-US" sz="4800" dirty="0">
+              <a:solidFill>
+                <a:srgbClr val="FFFFFF"/>
+              </a:solidFill>
+              <a:cs typeface="Calibri"/>
+            </a:endParaRPr>
+          </a:p>
+        </p:txBody>
+      </p:sp>
+    </p:spTree>
+    <p:extLst>
+      <p:ext uri="{BB962C8B-B14F-4D97-AF65-F5344CB8AC3E}">
+        <p14:creationId xmlns:p14="http://schemas.microsoft.com/office/powerpoint/2010/main" val="3273195894"/>
+      </p:ext>
+    </p:extLst>
+  </p:cSld>
+  <p:clrMapOvr>
+    <a:overrideClrMapping bg1="dk1" tx1="lt1" bg2="dk2" tx2="lt2" accent1="accent1" accent2="accent2" accent3="accent3" accent4="accent4" accent5="accent5" accent6="accent6" hlink="hlink" folHlink="folHlink"/>
   </p:clrMapOvr>
 </p:sld>
 </file>
